--- a/Presentation_complete.pptx
+++ b/Presentation_complete.pptx
@@ -120,6 +120,11 @@
       </a:defRPr>
     </a:lvl9pPr>
   </p:defaultTextStyle>
+  <p:extLst>
+    <p:ext uri="{EFAFB233-063F-42B5-8137-9DF3F51BA10A}">
+      <p15:sldGuideLst xmlns:p15="http://schemas.microsoft.com/office/powerpoint/2012/main"/>
+    </p:ext>
+  </p:extLst>
 </p:presentation>
 </file>
 
@@ -7308,7 +7313,7 @@
           <a:p>
             <a:fld id="{D1108473-B89C-4823-9966-3578E4FA1013}" type="datetimeFigureOut">
               <a:rPr lang="en-US" smtClean="0"/>
-              <a:t>5/15/2023</a:t>
+              <a:t>5/22/2023</a:t>
             </a:fld>
             <a:endParaRPr lang="en-US"/>
           </a:p>
@@ -7606,7 +7611,7 @@
           <a:p>
             <a:fld id="{D1108473-B89C-4823-9966-3578E4FA1013}" type="datetimeFigureOut">
               <a:rPr lang="en-US" smtClean="0"/>
-              <a:t>5/15/2023</a:t>
+              <a:t>5/22/2023</a:t>
             </a:fld>
             <a:endParaRPr lang="en-US"/>
           </a:p>
@@ -7798,7 +7803,7 @@
           <a:p>
             <a:fld id="{D1108473-B89C-4823-9966-3578E4FA1013}" type="datetimeFigureOut">
               <a:rPr lang="en-US" smtClean="0"/>
-              <a:t>5/15/2023</a:t>
+              <a:t>5/22/2023</a:t>
             </a:fld>
             <a:endParaRPr lang="en-US"/>
           </a:p>
@@ -8059,7 +8064,7 @@
           <a:p>
             <a:fld id="{D1108473-B89C-4823-9966-3578E4FA1013}" type="datetimeFigureOut">
               <a:rPr lang="en-US" smtClean="0"/>
-              <a:t>5/15/2023</a:t>
+              <a:t>5/22/2023</a:t>
             </a:fld>
             <a:endParaRPr lang="en-US"/>
           </a:p>
@@ -8483,7 +8488,7 @@
           <a:p>
             <a:fld id="{D1108473-B89C-4823-9966-3578E4FA1013}" type="datetimeFigureOut">
               <a:rPr lang="en-US" smtClean="0"/>
-              <a:t>5/15/2023</a:t>
+              <a:t>5/22/2023</a:t>
             </a:fld>
             <a:endParaRPr lang="en-US"/>
           </a:p>
@@ -9020,7 +9025,7 @@
           <a:p>
             <a:fld id="{D1108473-B89C-4823-9966-3578E4FA1013}" type="datetimeFigureOut">
               <a:rPr lang="en-US" smtClean="0"/>
-              <a:t>5/15/2023</a:t>
+              <a:t>5/22/2023</a:t>
             </a:fld>
             <a:endParaRPr lang="en-US"/>
           </a:p>
@@ -9884,7 +9889,7 @@
           <a:p>
             <a:fld id="{D1108473-B89C-4823-9966-3578E4FA1013}" type="datetimeFigureOut">
               <a:rPr lang="en-US" smtClean="0"/>
-              <a:t>5/15/2023</a:t>
+              <a:t>5/22/2023</a:t>
             </a:fld>
             <a:endParaRPr lang="en-US"/>
           </a:p>
@@ -10054,7 +10059,7 @@
           <a:p>
             <a:fld id="{D1108473-B89C-4823-9966-3578E4FA1013}" type="datetimeFigureOut">
               <a:rPr lang="en-US" smtClean="0"/>
-              <a:t>5/15/2023</a:t>
+              <a:t>5/22/2023</a:t>
             </a:fld>
             <a:endParaRPr lang="en-US"/>
           </a:p>
@@ -10238,7 +10243,7 @@
           <a:p>
             <a:fld id="{D1108473-B89C-4823-9966-3578E4FA1013}" type="datetimeFigureOut">
               <a:rPr lang="en-US" smtClean="0"/>
-              <a:t>5/15/2023</a:t>
+              <a:t>5/22/2023</a:t>
             </a:fld>
             <a:endParaRPr lang="en-US"/>
           </a:p>
@@ -10408,7 +10413,7 @@
           <a:p>
             <a:fld id="{D1108473-B89C-4823-9966-3578E4FA1013}" type="datetimeFigureOut">
               <a:rPr lang="en-US" smtClean="0"/>
-              <a:t>5/15/2023</a:t>
+              <a:t>5/22/2023</a:t>
             </a:fld>
             <a:endParaRPr lang="en-US"/>
           </a:p>
@@ -10652,7 +10657,7 @@
           <a:p>
             <a:fld id="{D1108473-B89C-4823-9966-3578E4FA1013}" type="datetimeFigureOut">
               <a:rPr lang="en-US" smtClean="0"/>
-              <a:t>5/15/2023</a:t>
+              <a:t>5/22/2023</a:t>
             </a:fld>
             <a:endParaRPr lang="en-US"/>
           </a:p>
@@ -10888,7 +10893,7 @@
           <a:p>
             <a:fld id="{D1108473-B89C-4823-9966-3578E4FA1013}" type="datetimeFigureOut">
               <a:rPr lang="en-US" smtClean="0"/>
-              <a:t>5/15/2023</a:t>
+              <a:t>5/22/2023</a:t>
             </a:fld>
             <a:endParaRPr lang="en-US"/>
           </a:p>
@@ -11354,7 +11359,7 @@
           <a:p>
             <a:fld id="{D1108473-B89C-4823-9966-3578E4FA1013}" type="datetimeFigureOut">
               <a:rPr lang="en-US" smtClean="0"/>
-              <a:t>5/15/2023</a:t>
+              <a:t>5/22/2023</a:t>
             </a:fld>
             <a:endParaRPr lang="en-US"/>
           </a:p>
@@ -11472,7 +11477,7 @@
           <a:p>
             <a:fld id="{D1108473-B89C-4823-9966-3578E4FA1013}" type="datetimeFigureOut">
               <a:rPr lang="en-US" smtClean="0"/>
-              <a:t>5/15/2023</a:t>
+              <a:t>5/22/2023</a:t>
             </a:fld>
             <a:endParaRPr lang="en-US"/>
           </a:p>
@@ -11567,7 +11572,7 @@
           <a:p>
             <a:fld id="{D1108473-B89C-4823-9966-3578E4FA1013}" type="datetimeFigureOut">
               <a:rPr lang="en-US" smtClean="0"/>
-              <a:t>5/15/2023</a:t>
+              <a:t>5/22/2023</a:t>
             </a:fld>
             <a:endParaRPr lang="en-US"/>
           </a:p>
@@ -11822,7 +11827,7 @@
           <a:p>
             <a:fld id="{D1108473-B89C-4823-9966-3578E4FA1013}" type="datetimeFigureOut">
               <a:rPr lang="en-US" smtClean="0"/>
-              <a:t>5/15/2023</a:t>
+              <a:t>5/22/2023</a:t>
             </a:fld>
             <a:endParaRPr lang="en-US"/>
           </a:p>
@@ -12122,7 +12127,7 @@
           <a:p>
             <a:fld id="{D1108473-B89C-4823-9966-3578E4FA1013}" type="datetimeFigureOut">
               <a:rPr lang="en-US" smtClean="0"/>
-              <a:t>5/15/2023</a:t>
+              <a:t>5/22/2023</a:t>
             </a:fld>
             <a:endParaRPr lang="en-US"/>
           </a:p>
@@ -12356,7 +12361,7 @@
           <a:p>
             <a:fld id="{D1108473-B89C-4823-9966-3578E4FA1013}" type="datetimeFigureOut">
               <a:rPr lang="en-US" smtClean="0"/>
-              <a:t>5/15/2023</a:t>
+              <a:t>5/22/2023</a:t>
             </a:fld>
             <a:endParaRPr lang="en-US"/>
           </a:p>
@@ -13103,7 +13108,7 @@
             <a:pPr algn="l"/>
             <a:r>
               <a:rPr lang="en-US" dirty="0"/>
-              <a:t>Last updated: May 10</a:t>
+              <a:t>Last updated: May 12</a:t>
             </a:r>
             <a:r>
               <a:rPr lang="en-US" baseline="30000" dirty="0"/>
@@ -13295,7 +13300,7 @@
             </a:pPr>
             <a:r>
               <a:rPr lang="en-US" sz="2400" dirty="0"/>
-              <a:t>This implies commute or workout usage.</a:t>
+              <a:t>This implies commute or workout usage</a:t>
             </a:r>
           </a:p>
         </p:txBody>
@@ -13522,7 +13527,7 @@
             </a:pPr>
             <a:r>
               <a:rPr lang="en-US" sz="2200" dirty="0"/>
-              <a:t>Casual riders prefer weekends during the regular season, but this does not hold true in the off season. </a:t>
+              <a:t>Casual riders prefer weekends during the regular season, but this does not hold true in the off season</a:t>
             </a:r>
           </a:p>
           <a:p>
@@ -13539,7 +13544,7 @@
             </a:pPr>
             <a:r>
               <a:rPr lang="en-US" sz="2200" dirty="0"/>
-              <a:t>Members consistently favor weekdays; implying commutes.</a:t>
+              <a:t>Members consistently favor weekdays; implying commutes</a:t>
             </a:r>
           </a:p>
           <a:p>
@@ -13552,7 +13557,7 @@
             </a:pPr>
             <a:r>
               <a:rPr lang="en-US" sz="2200" dirty="0"/>
-              <a:t>These off-season (Nov-Apr) casuals are prime member targets. </a:t>
+              <a:t>These off-season (Nov-Apr) casuals are prime member targets</a:t>
             </a:r>
           </a:p>
         </p:txBody>
@@ -23934,7 +23939,7 @@
             </a:pPr>
             <a:r>
               <a:rPr lang="en-US" sz="2400" dirty="0"/>
-              <a:t>This implies members are more likely to use bikes for fitness and casuals for leisure.</a:t>
+              <a:t>This implies members are more likely to use bikes for fitness and casuals for leisure</a:t>
             </a:r>
           </a:p>
           <a:p>
@@ -24170,7 +24175,7 @@
             </a:pPr>
             <a:r>
               <a:rPr lang="en-US" sz="2400" dirty="0"/>
-              <a:t>Members prefer classic bikes during peak seasons, electric during off seasons.</a:t>
+              <a:t>Members prefer classic bikes during peak seasons, electric during off seasons</a:t>
             </a:r>
           </a:p>
           <a:p>
@@ -24187,7 +24192,7 @@
             </a:pPr>
             <a:r>
               <a:rPr lang="en-US" sz="2400" dirty="0"/>
-              <a:t>Casuals, compared to members, heavily prefer electric bikes use yet follow a similar overall seasonal trend.</a:t>
+              <a:t>Casuals, compared to members, heavily prefer electric bikes use yet follow a similar overall seasonal trend</a:t>
             </a:r>
           </a:p>
           <a:p>
@@ -24473,7 +24478,7 @@
             </a:pPr>
             <a:r>
               <a:rPr lang="en-US" sz="3200" dirty="0"/>
-              <a:t>-Correlation does not mean causation</a:t>
+              <a:t>-Correlation does not mean causation.</a:t>
             </a:r>
           </a:p>
           <a:p>
@@ -24573,7 +24578,7 @@
             </a:pPr>
             <a:r>
               <a:rPr lang="en-US" sz="3200" dirty="0"/>
-              <a:t>-Target digital marketing to the off-season casual riders</a:t>
+              <a:t>-Target digital marketing to the off-season casual riders.</a:t>
             </a:r>
           </a:p>
           <a:p>
@@ -24582,7 +24587,7 @@
             </a:pPr>
             <a:r>
               <a:rPr lang="en-US" sz="3200" dirty="0"/>
-              <a:t>-Target digital marketing to casual riders that prefer classic bikes</a:t>
+              <a:t>-Target digital marketing to casual riders that prefer classic bikes.</a:t>
             </a:r>
           </a:p>
           <a:p>
@@ -24591,7 +24596,7 @@
             </a:pPr>
             <a:r>
               <a:rPr lang="en-US" sz="3200" dirty="0"/>
-              <a:t>-Target digital marketing to those who ride during weekday work hours</a:t>
+              <a:t>-Target digital marketing to those who ride during weekday work hours.</a:t>
             </a:r>
           </a:p>
         </p:txBody>
@@ -25324,7 +25329,7 @@
             </a:pPr>
             <a:r>
               <a:rPr lang="en-US" sz="2400" dirty="0"/>
-              <a:t>Casual riders average longer rides.</a:t>
+              <a:t>Casual riders average longer rides</a:t>
             </a:r>
           </a:p>
           <a:p>
@@ -25341,7 +25346,7 @@
             </a:pPr>
             <a:r>
               <a:rPr lang="en-US" sz="2400" dirty="0"/>
-              <a:t>Rides are longest during summer, followed by spring.</a:t>
+              <a:t>Rides are longest during summer, followed by spring</a:t>
             </a:r>
           </a:p>
           <a:p>
@@ -25358,7 +25363,7 @@
             </a:pPr>
             <a:r>
               <a:rPr lang="en-US" sz="2400" dirty="0"/>
-              <a:t>Casual ride time more heavily affected.</a:t>
+              <a:t>Casual ride time is more heavily affected</a:t>
             </a:r>
           </a:p>
           <a:p>
@@ -27537,7 +27542,7 @@
             </a:pPr>
             <a:r>
               <a:rPr lang="en-US" sz="2400" dirty="0"/>
-              <a:t>During peak months, almost half of all riders are casual.</a:t>
+              <a:t>During peak months, almost half of all riders are casual</a:t>
             </a:r>
           </a:p>
           <a:p>
